--- a/React/nav-bar/Nav-bar.pptx
+++ b/React/nav-bar/Nav-bar.pptx
@@ -3043,7 +3043,7 @@
         <p:spPr>
           <a:xfrm>
             <a:off x="234269" y="2396939"/>
-            <a:ext cx="8757526" cy="1085554"/>
+            <a:ext cx="9570497" cy="1085554"/>
           </a:xfrm>
           <a:prstGeom prst="rect">
             <a:avLst/>
@@ -3051,7 +3051,7 @@
           <a:noFill/>
         </p:spPr>
         <p:txBody>
-          <a:bodyPr wrap="none" rtlCol="0">
+          <a:bodyPr wrap="square" rtlCol="0">
             <a:spAutoFit/>
           </a:bodyPr>
           <a:lstStyle/>
@@ -3063,7 +3063,7 @@
                 </a:solidFill>
                 <a:latin typeface="Open Sans" panose="020B0606030504020204" pitchFamily="34" charset="0"/>
               </a:rPr>
-              <a:t>Navbar</a:t>
+              <a:t>Nav bar</a:t>
             </a:r>
             <a:r>
               <a:rPr lang="en-US" sz="3227" dirty="0">
@@ -3072,18 +3072,7 @@
                 </a:solidFill>
                 <a:latin typeface="Open Sans" panose="020B0606030504020204" pitchFamily="34" charset="0"/>
               </a:rPr>
-              <a:t> –websites uses navbar to navigating </a:t>
-            </a:r>
-          </a:p>
-          <a:p>
-            <a:r>
-              <a:rPr lang="en-US" sz="3227" dirty="0">
-                <a:solidFill>
-                  <a:srgbClr val="000000"/>
-                </a:solidFill>
-                <a:latin typeface="Open Sans" panose="020B0606030504020204" pitchFamily="34" charset="0"/>
-              </a:rPr>
-              <a:t>different pages or elements of same page</a:t>
+              <a:t> – is used for navigating different pages or elements</a:t>
             </a:r>
             <a:endParaRPr lang="en-US" sz="3227" dirty="0"/>
           </a:p>
@@ -3669,7 +3658,7 @@
         <p:spPr>
           <a:xfrm>
             <a:off x="636603" y="2149800"/>
-            <a:ext cx="8630965" cy="5111656"/>
+            <a:ext cx="8630965" cy="6104876"/>
           </a:xfrm>
           <a:prstGeom prst="rect">
             <a:avLst/>
@@ -3681,6 +3670,15 @@
             <a:spAutoFit/>
           </a:bodyPr>
           <a:lstStyle/>
+          <a:p>
+            <a:r>
+              <a:rPr lang="en-US" sz="3227" i="1" dirty="0"/>
+              <a:t>Let’s develop a Nav bar</a:t>
+            </a:r>
+          </a:p>
+          <a:p>
+            <a:endParaRPr lang="en-US" sz="3227" b="1" i="1" dirty="0"/>
+          </a:p>
           <a:p>
             <a:r>
               <a:rPr lang="en-US" sz="3227" b="1" i="1" dirty="0"/>
@@ -4202,8 +4200,8 @@
               <a:t>Create a </a:t>
             </a:r>
             <a:r>
-              <a:rPr lang="en-US" sz="3227" dirty="0" err="1"/>
-              <a:t>NavBar</a:t>
+              <a:rPr lang="en-US" sz="3227" i="1" dirty="0"/>
+              <a:t>Nav bar</a:t>
             </a:r>
             <a:r>
               <a:rPr lang="en-US" sz="3227" dirty="0"/>
@@ -6616,9 +6614,13 @@
             </a:r>
             <a:r>
               <a:rPr lang="en-US" sz="3227" dirty="0"/>
-              <a:t>Style the Nav bar</a:t>
-            </a:r>
-            <a:endParaRPr lang="en-US" sz="3227" dirty="0">
+              <a:t>Style the </a:t>
+            </a:r>
+            <a:r>
+              <a:rPr lang="en-US" sz="3227" i="1" dirty="0"/>
+              <a:t>Nav bar</a:t>
+            </a:r>
+            <a:endParaRPr lang="en-US" sz="3227" i="1" dirty="0">
               <a:solidFill>
                 <a:schemeClr val="accent1"/>
               </a:solidFill>
@@ -7835,7 +7837,15 @@
             </a:r>
             <a:r>
               <a:rPr lang="en-US" sz="3227" dirty="0"/>
-              <a:t> with Nav bar option “Destinations”.</a:t>
+              <a:t> with </a:t>
+            </a:r>
+            <a:r>
+              <a:rPr lang="en-US" sz="3227" i="1" dirty="0"/>
+              <a:t>Nav bar </a:t>
+            </a:r>
+            <a:r>
+              <a:rPr lang="en-US" sz="3227" dirty="0"/>
+              <a:t>option “Destinations”.</a:t>
             </a:r>
             <a:endParaRPr lang="en-US" sz="3227" dirty="0">
               <a:solidFill>
@@ -8658,7 +8668,15 @@
           <a:p>
             <a:r>
               <a:rPr lang="en-US" sz="3227" dirty="0"/>
-              <a:t>You can create components for other of Nav bar options</a:t>
+              <a:t>You can create components for other of </a:t>
+            </a:r>
+            <a:r>
+              <a:rPr lang="en-US" sz="3227" i="1" dirty="0"/>
+              <a:t>Nav bar </a:t>
+            </a:r>
+            <a:r>
+              <a:rPr lang="en-US" sz="3227" dirty="0"/>
+              <a:t>items</a:t>
             </a:r>
             <a:r>
               <a:rPr lang="en-US" sz="3227" dirty="0">
@@ -9241,7 +9259,7 @@
                 <a:effectLst/>
                 <a:latin typeface="Consolas" panose="020B0609020204030204" pitchFamily="49" charset="0"/>
               </a:rPr>
-              <a:t>'./App.css'</a:t>
+              <a:t>"./App.css"</a:t>
             </a:r>
             <a:r>
               <a:rPr lang="en-US" sz="1600" b="0" dirty="0">
@@ -10881,7 +10899,15 @@
           <a:p>
             <a:r>
               <a:rPr lang="en-US" sz="3227" dirty="0"/>
-              <a:t>Your Nav bar is ready </a:t>
+              <a:t>Your </a:t>
+            </a:r>
+            <a:r>
+              <a:rPr lang="en-US" sz="3227" i="1" dirty="0"/>
+              <a:t>Nav bar </a:t>
+            </a:r>
+            <a:r>
+              <a:rPr lang="en-US" sz="3227" dirty="0"/>
+              <a:t>is ready </a:t>
             </a:r>
             <a:endParaRPr lang="en-US" sz="3227" dirty="0">
               <a:solidFill>
@@ -11205,7 +11231,7 @@
         <p:spPr>
           <a:xfrm>
             <a:off x="234268" y="2396939"/>
-            <a:ext cx="9824131" cy="2575385"/>
+            <a:ext cx="9824131" cy="3568606"/>
           </a:xfrm>
           <a:prstGeom prst="rect">
             <a:avLst/>
@@ -11249,11 +11275,36 @@
                   <a:schemeClr val="accent1"/>
                 </a:solidFill>
                 <a:latin typeface="Consolas" panose="020B0609020204030204" pitchFamily="49" charset="0"/>
+                <a:hlinkClick r:id="rId3"/>
               </a:rPr>
               <a:t>https://www.npmjs.com/package/react-scroll</a:t>
             </a:r>
-          </a:p>
-          <a:p>
+            <a:endParaRPr lang="en-US" sz="3227" dirty="0">
+              <a:solidFill>
+                <a:schemeClr val="accent1"/>
+              </a:solidFill>
+              <a:latin typeface="Consolas" panose="020B0609020204030204" pitchFamily="49" charset="0"/>
+            </a:endParaRPr>
+          </a:p>
+          <a:p>
+            <a:endParaRPr lang="en-US" sz="3227" dirty="0">
+              <a:solidFill>
+                <a:schemeClr val="accent1"/>
+              </a:solidFill>
+              <a:latin typeface="Consolas" panose="020B0609020204030204" pitchFamily="49" charset="0"/>
+            </a:endParaRPr>
+          </a:p>
+          <a:p>
+            <a:r>
+              <a:rPr lang="en-US" sz="3227" dirty="0">
+                <a:solidFill>
+                  <a:schemeClr val="accent1"/>
+                </a:solidFill>
+                <a:latin typeface="Consolas" panose="020B0609020204030204" pitchFamily="49" charset="0"/>
+                <a:hlinkClick r:id="rId4"/>
+              </a:rPr>
+              <a:t>https://github.com/asadhasnain/tips/tree/master/React/nav-bar</a:t>
+            </a:r>
             <a:endParaRPr lang="en-US" sz="3227" dirty="0">
               <a:solidFill>
                 <a:schemeClr val="accent1"/>
